--- a/diagrams-2.pptx
+++ b/diagrams-2.pptx
@@ -8,6 +8,7 @@
     <p:sldId id="256" r:id="rId2"/>
     <p:sldId id="260" r:id="rId3"/>
     <p:sldId id="261" r:id="rId4"/>
+    <p:sldId id="262" r:id="rId5"/>
   </p:sldIdLst>
   <p:sldSz cx="9144000" cy="6858000" type="screen4x3"/>
   <p:notesSz cx="6858000" cy="9144000"/>
@@ -290,7 +291,7 @@
           <a:p>
             <a:fld id="{04C57E51-FDF8-CB44-9D48-03E77C0A26C9}" type="datetimeFigureOut">
               <a:rPr lang="en-US" smtClean="0"/>
-              <a:t>8/29/17</a:t>
+              <a:t>8/31/17</a:t>
             </a:fld>
             <a:endParaRPr lang="en-US"/>
           </a:p>
@@ -460,7 +461,7 @@
           <a:p>
             <a:fld id="{04C57E51-FDF8-CB44-9D48-03E77C0A26C9}" type="datetimeFigureOut">
               <a:rPr lang="en-US" smtClean="0"/>
-              <a:t>8/29/17</a:t>
+              <a:t>8/31/17</a:t>
             </a:fld>
             <a:endParaRPr lang="en-US"/>
           </a:p>
@@ -640,7 +641,7 @@
           <a:p>
             <a:fld id="{04C57E51-FDF8-CB44-9D48-03E77C0A26C9}" type="datetimeFigureOut">
               <a:rPr lang="en-US" smtClean="0"/>
-              <a:t>8/29/17</a:t>
+              <a:t>8/31/17</a:t>
             </a:fld>
             <a:endParaRPr lang="en-US"/>
           </a:p>
@@ -810,7 +811,7 @@
           <a:p>
             <a:fld id="{04C57E51-FDF8-CB44-9D48-03E77C0A26C9}" type="datetimeFigureOut">
               <a:rPr lang="en-US" smtClean="0"/>
-              <a:t>8/29/17</a:t>
+              <a:t>8/31/17</a:t>
             </a:fld>
             <a:endParaRPr lang="en-US"/>
           </a:p>
@@ -1056,7 +1057,7 @@
           <a:p>
             <a:fld id="{04C57E51-FDF8-CB44-9D48-03E77C0A26C9}" type="datetimeFigureOut">
               <a:rPr lang="en-US" smtClean="0"/>
-              <a:t>8/29/17</a:t>
+              <a:t>8/31/17</a:t>
             </a:fld>
             <a:endParaRPr lang="en-US"/>
           </a:p>
@@ -1344,7 +1345,7 @@
           <a:p>
             <a:fld id="{04C57E51-FDF8-CB44-9D48-03E77C0A26C9}" type="datetimeFigureOut">
               <a:rPr lang="en-US" smtClean="0"/>
-              <a:t>8/29/17</a:t>
+              <a:t>8/31/17</a:t>
             </a:fld>
             <a:endParaRPr lang="en-US"/>
           </a:p>
@@ -1766,7 +1767,7 @@
           <a:p>
             <a:fld id="{04C57E51-FDF8-CB44-9D48-03E77C0A26C9}" type="datetimeFigureOut">
               <a:rPr lang="en-US" smtClean="0"/>
-              <a:t>8/29/17</a:t>
+              <a:t>8/31/17</a:t>
             </a:fld>
             <a:endParaRPr lang="en-US"/>
           </a:p>
@@ -1884,7 +1885,7 @@
           <a:p>
             <a:fld id="{04C57E51-FDF8-CB44-9D48-03E77C0A26C9}" type="datetimeFigureOut">
               <a:rPr lang="en-US" smtClean="0"/>
-              <a:t>8/29/17</a:t>
+              <a:t>8/31/17</a:t>
             </a:fld>
             <a:endParaRPr lang="en-US"/>
           </a:p>
@@ -1979,7 +1980,7 @@
           <a:p>
             <a:fld id="{04C57E51-FDF8-CB44-9D48-03E77C0A26C9}" type="datetimeFigureOut">
               <a:rPr lang="en-US" smtClean="0"/>
-              <a:t>8/29/17</a:t>
+              <a:t>8/31/17</a:t>
             </a:fld>
             <a:endParaRPr lang="en-US"/>
           </a:p>
@@ -2256,7 +2257,7 @@
           <a:p>
             <a:fld id="{04C57E51-FDF8-CB44-9D48-03E77C0A26C9}" type="datetimeFigureOut">
               <a:rPr lang="en-US" smtClean="0"/>
-              <a:t>8/29/17</a:t>
+              <a:t>8/31/17</a:t>
             </a:fld>
             <a:endParaRPr lang="en-US"/>
           </a:p>
@@ -2509,7 +2510,7 @@
           <a:p>
             <a:fld id="{04C57E51-FDF8-CB44-9D48-03E77C0A26C9}" type="datetimeFigureOut">
               <a:rPr lang="en-US" smtClean="0"/>
-              <a:t>8/29/17</a:t>
+              <a:t>8/31/17</a:t>
             </a:fld>
             <a:endParaRPr lang="en-US"/>
           </a:p>
@@ -2722,7 +2723,7 @@
           <a:p>
             <a:fld id="{04C57E51-FDF8-CB44-9D48-03E77C0A26C9}" type="datetimeFigureOut">
               <a:rPr lang="en-US" smtClean="0"/>
-              <a:t>8/29/17</a:t>
+              <a:t>8/31/17</a:t>
             </a:fld>
             <a:endParaRPr lang="en-US"/>
           </a:p>
@@ -3406,15 +3407,7 @@
           <a:p>
             <a:r>
               <a:rPr lang="en-US" sz="1400" dirty="0" smtClean="0"/>
-              <a:t>Test </a:t>
-            </a:r>
-            <a:r>
-              <a:rPr lang="en-US" sz="1400" dirty="0" smtClean="0"/>
-              <a:t>case (</a:t>
-            </a:r>
-            <a:r>
-              <a:rPr lang="en-US" sz="1400" dirty="0" smtClean="0"/>
-              <a:t>from file)</a:t>
+              <a:t>Test case (from file)</a:t>
             </a:r>
           </a:p>
         </p:txBody>
@@ -3451,15 +3444,7 @@
             <a:pPr algn="ctr"/>
             <a:r>
               <a:rPr lang="en-US" sz="1400" dirty="0" smtClean="0"/>
-              <a:t>Interval </a:t>
-            </a:r>
-            <a:r>
-              <a:rPr lang="en-US" sz="1400" dirty="0" smtClean="0"/>
-              <a:t>observations</a:t>
-            </a:r>
-            <a:r>
-              <a:rPr lang="en-US" sz="1400" dirty="0" smtClean="0"/>
-              <a:t>,</a:t>
+              <a:t>Interval observations,</a:t>
             </a:r>
           </a:p>
           <a:p>
@@ -3495,11 +3480,7 @@
           <a:p>
             <a:r>
               <a:rPr lang="en-US" sz="1400" dirty="0" smtClean="0"/>
-              <a:t>Input </a:t>
-            </a:r>
-            <a:r>
-              <a:rPr lang="en-US" sz="1400" dirty="0" smtClean="0"/>
-              <a:t>samples</a:t>
+              <a:t>Input samples</a:t>
             </a:r>
             <a:endParaRPr lang="en-US" sz="1400" dirty="0"/>
           </a:p>
@@ -4033,11 +4014,7 @@
           <a:p>
             <a:r>
               <a:rPr lang="en-US" sz="1400" dirty="0" smtClean="0"/>
-              <a:t>Output </a:t>
-            </a:r>
-            <a:r>
-              <a:rPr lang="en-US" sz="1400" dirty="0" smtClean="0"/>
-              <a:t>signals</a:t>
+              <a:t>Output signals</a:t>
             </a:r>
             <a:endParaRPr lang="en-US" sz="1400" dirty="0"/>
           </a:p>
@@ -4479,15 +4456,7 @@
           <a:p>
             <a:r>
               <a:rPr lang="en-US" sz="1400" dirty="0" smtClean="0"/>
-              <a:t>Test </a:t>
-            </a:r>
-            <a:r>
-              <a:rPr lang="en-US" sz="1400" dirty="0" smtClean="0"/>
-              <a:t>case (</a:t>
-            </a:r>
-            <a:r>
-              <a:rPr lang="en-US" sz="1400" dirty="0" smtClean="0"/>
-              <a:t>from file)</a:t>
+              <a:t>Test case (from file)</a:t>
             </a:r>
           </a:p>
         </p:txBody>
@@ -4524,15 +4493,7 @@
             <a:pPr algn="ctr"/>
             <a:r>
               <a:rPr lang="en-US" sz="1400" dirty="0" smtClean="0"/>
-              <a:t>Interval </a:t>
-            </a:r>
-            <a:r>
-              <a:rPr lang="en-US" sz="1400" dirty="0" smtClean="0"/>
-              <a:t>observations</a:t>
-            </a:r>
-            <a:r>
-              <a:rPr lang="en-US" sz="1400" dirty="0" smtClean="0"/>
-              <a:t>,</a:t>
+              <a:t>Interval observations,</a:t>
             </a:r>
           </a:p>
           <a:p>
@@ -4568,11 +4529,7 @@
           <a:p>
             <a:r>
               <a:rPr lang="en-US" sz="1400" dirty="0" smtClean="0"/>
-              <a:t>Input </a:t>
-            </a:r>
-            <a:r>
-              <a:rPr lang="en-US" sz="1400" dirty="0" smtClean="0"/>
-              <a:t>samples</a:t>
+              <a:t>Input samples</a:t>
             </a:r>
             <a:endParaRPr lang="en-US" sz="1400" dirty="0"/>
           </a:p>
@@ -4602,11 +4559,7 @@
           <a:p>
             <a:r>
               <a:rPr lang="en-US" sz="1400" dirty="0" smtClean="0"/>
-              <a:t>Output </a:t>
-            </a:r>
-            <a:r>
-              <a:rPr lang="en-US" sz="1400" dirty="0" smtClean="0"/>
-              <a:t>signals</a:t>
+              <a:t>Output signals</a:t>
             </a:r>
             <a:endParaRPr lang="en-US" sz="1400" dirty="0"/>
           </a:p>
@@ -5463,15 +5416,7 @@
           <a:p>
             <a:r>
               <a:rPr lang="en-US" sz="1400" dirty="0" smtClean="0"/>
-              <a:t>Test </a:t>
-            </a:r>
-            <a:r>
-              <a:rPr lang="en-US" sz="1400" dirty="0" smtClean="0"/>
-              <a:t>case (</a:t>
-            </a:r>
-            <a:r>
-              <a:rPr lang="en-US" sz="1400" dirty="0" smtClean="0"/>
-              <a:t>from file)</a:t>
+              <a:t>Test case (from file)</a:t>
             </a:r>
           </a:p>
         </p:txBody>
@@ -5508,15 +5453,7 @@
             <a:pPr algn="ctr"/>
             <a:r>
               <a:rPr lang="en-US" sz="1400" dirty="0" smtClean="0"/>
-              <a:t>Interval </a:t>
-            </a:r>
-            <a:r>
-              <a:rPr lang="en-US" sz="1400" dirty="0" smtClean="0"/>
-              <a:t>observations</a:t>
-            </a:r>
-            <a:r>
-              <a:rPr lang="en-US" sz="1400" dirty="0" smtClean="0"/>
-              <a:t>,</a:t>
+              <a:t>Interval observations,</a:t>
             </a:r>
           </a:p>
           <a:p>
@@ -5552,11 +5489,7 @@
           <a:p>
             <a:r>
               <a:rPr lang="en-US" sz="1400" dirty="0" smtClean="0"/>
-              <a:t>Input </a:t>
-            </a:r>
-            <a:r>
-              <a:rPr lang="en-US" sz="1400" dirty="0" smtClean="0"/>
-              <a:t>samples</a:t>
+              <a:t>Input samples</a:t>
             </a:r>
             <a:endParaRPr lang="en-US" sz="1400" dirty="0"/>
           </a:p>
@@ -5586,11 +5519,7 @@
           <a:p>
             <a:r>
               <a:rPr lang="en-US" sz="1400" dirty="0" smtClean="0"/>
-              <a:t>Output </a:t>
-            </a:r>
-            <a:r>
-              <a:rPr lang="en-US" sz="1400" dirty="0" smtClean="0"/>
-              <a:t>signals</a:t>
+              <a:t>Output signals</a:t>
             </a:r>
             <a:endParaRPr lang="en-US" sz="1400" dirty="0"/>
           </a:p>
@@ -6014,6 +5943,835 @@
     <p:extLst>
       <p:ext uri="{BB962C8B-B14F-4D97-AF65-F5344CB8AC3E}">
         <p14:creationId xmlns:p14="http://schemas.microsoft.com/office/powerpoint/2010/main" val="3350895730"/>
+      </p:ext>
+    </p:extLst>
+  </p:cSld>
+  <p:clrMapOvr>
+    <a:masterClrMapping/>
+  </p:clrMapOvr>
+  <p:timing>
+    <p:tnLst>
+      <p:par>
+        <p:cTn xmlns:p14="http://schemas.microsoft.com/office/powerpoint/2010/main" id="1" dur="indefinite" restart="never" nodeType="tmRoot"/>
+      </p:par>
+    </p:tnLst>
+  </p:timing>
+</p:sld>
+</file>
+
+<file path=ppt/slides/slide4.xml><?xml version="1.0" encoding="utf-8"?>
+<p:sld xmlns:a="http://schemas.openxmlformats.org/drawingml/2006/main" xmlns:r="http://schemas.openxmlformats.org/officeDocument/2006/relationships" xmlns:p="http://schemas.openxmlformats.org/presentationml/2006/main">
+  <p:cSld>
+    <p:spTree>
+      <p:nvGrpSpPr>
+        <p:cNvPr id="1" name=""/>
+        <p:cNvGrpSpPr/>
+        <p:nvPr/>
+      </p:nvGrpSpPr>
+      <p:grpSpPr>
+        <a:xfrm>
+          <a:off x="0" y="0"/>
+          <a:ext cx="0" cy="0"/>
+          <a:chOff x="0" y="0"/>
+          <a:chExt cx="0" cy="0"/>
+        </a:xfrm>
+      </p:grpSpPr>
+      <p:sp>
+        <p:nvSpPr>
+          <p:cNvPr id="6" name="Rectangle 5"/>
+          <p:cNvSpPr/>
+          <p:nvPr/>
+        </p:nvSpPr>
+        <p:spPr>
+          <a:xfrm>
+            <a:off x="761878" y="2652403"/>
+            <a:ext cx="2464139" cy="904479"/>
+          </a:xfrm>
+          <a:prstGeom prst="rect">
+            <a:avLst/>
+          </a:prstGeom>
+          <a:solidFill>
+            <a:schemeClr val="bg1"/>
+          </a:solidFill>
+          <a:ln>
+            <a:solidFill>
+              <a:schemeClr val="tx1"/>
+            </a:solidFill>
+          </a:ln>
+        </p:spPr>
+        <p:style>
+          <a:lnRef idx="1">
+            <a:schemeClr val="accent1"/>
+          </a:lnRef>
+          <a:fillRef idx="3">
+            <a:schemeClr val="accent1"/>
+          </a:fillRef>
+          <a:effectRef idx="2">
+            <a:schemeClr val="accent1"/>
+          </a:effectRef>
+          <a:fontRef idx="minor">
+            <a:schemeClr val="lt1"/>
+          </a:fontRef>
+        </p:style>
+        <p:txBody>
+          <a:bodyPr rtlCol="0" anchor="ctr" anchorCtr="1"/>
+          <a:lstStyle/>
+          <a:p>
+            <a:pPr algn="ctr"/>
+            <a:endParaRPr lang="en-US" dirty="0" smtClean="0"/>
+          </a:p>
+          <a:p>
+            <a:pPr algn="ctr"/>
+            <a:endParaRPr lang="en-US" dirty="0" smtClean="0"/>
+          </a:p>
+        </p:txBody>
+      </p:sp>
+      <p:sp>
+        <p:nvSpPr>
+          <p:cNvPr id="7" name="Rectangle 6"/>
+          <p:cNvSpPr/>
+          <p:nvPr/>
+        </p:nvSpPr>
+        <p:spPr>
+          <a:xfrm>
+            <a:off x="6475733" y="4414622"/>
+            <a:ext cx="1755899" cy="487993"/>
+          </a:xfrm>
+          <a:prstGeom prst="rect">
+            <a:avLst/>
+          </a:prstGeom>
+          <a:solidFill>
+            <a:schemeClr val="bg1"/>
+          </a:solidFill>
+          <a:ln>
+            <a:solidFill>
+              <a:schemeClr val="tx1"/>
+            </a:solidFill>
+          </a:ln>
+        </p:spPr>
+        <p:style>
+          <a:lnRef idx="1">
+            <a:schemeClr val="accent1"/>
+          </a:lnRef>
+          <a:fillRef idx="3">
+            <a:schemeClr val="accent1"/>
+          </a:fillRef>
+          <a:effectRef idx="2">
+            <a:schemeClr val="accent1"/>
+          </a:effectRef>
+          <a:fontRef idx="minor">
+            <a:schemeClr val="lt1"/>
+          </a:fontRef>
+        </p:style>
+        <p:txBody>
+          <a:bodyPr rtlCol="0" anchor="ctr"/>
+          <a:lstStyle/>
+          <a:p>
+            <a:pPr algn="ctr"/>
+            <a:r>
+              <a:rPr lang="en-US" dirty="0" smtClean="0">
+                <a:solidFill>
+                  <a:schemeClr val="tx1"/>
+                </a:solidFill>
+              </a:rPr>
+              <a:t>Actuators</a:t>
+            </a:r>
+          </a:p>
+        </p:txBody>
+      </p:sp>
+      <p:sp>
+        <p:nvSpPr>
+          <p:cNvPr id="8" name="Rectangle 7"/>
+          <p:cNvSpPr/>
+          <p:nvPr/>
+        </p:nvSpPr>
+        <p:spPr>
+          <a:xfrm>
+            <a:off x="6537587" y="1246508"/>
+            <a:ext cx="1755899" cy="487993"/>
+          </a:xfrm>
+          <a:prstGeom prst="rect">
+            <a:avLst/>
+          </a:prstGeom>
+          <a:solidFill>
+            <a:schemeClr val="bg1"/>
+          </a:solidFill>
+          <a:ln>
+            <a:solidFill>
+              <a:schemeClr val="tx1"/>
+            </a:solidFill>
+          </a:ln>
+        </p:spPr>
+        <p:style>
+          <a:lnRef idx="1">
+            <a:schemeClr val="accent1"/>
+          </a:lnRef>
+          <a:fillRef idx="3">
+            <a:schemeClr val="accent1"/>
+          </a:fillRef>
+          <a:effectRef idx="2">
+            <a:schemeClr val="accent1"/>
+          </a:effectRef>
+          <a:fontRef idx="minor">
+            <a:schemeClr val="lt1"/>
+          </a:fontRef>
+        </p:style>
+        <p:txBody>
+          <a:bodyPr rtlCol="0" anchor="ctr"/>
+          <a:lstStyle/>
+          <a:p>
+            <a:pPr algn="ctr"/>
+            <a:r>
+              <a:rPr lang="en-US" dirty="0" smtClean="0">
+                <a:solidFill>
+                  <a:srgbClr val="000000"/>
+                </a:solidFill>
+              </a:rPr>
+              <a:t>Sensors</a:t>
+            </a:r>
+          </a:p>
+        </p:txBody>
+      </p:sp>
+      <p:cxnSp>
+        <p:nvCxnSpPr>
+          <p:cNvPr id="11" name="Straight Arrow Connector 10"/>
+          <p:cNvCxnSpPr>
+            <a:stCxn id="8" idx="2"/>
+          </p:cNvCxnSpPr>
+          <p:nvPr/>
+        </p:nvCxnSpPr>
+        <p:spPr>
+          <a:xfrm flipH="1">
+            <a:off x="6114291" y="1734501"/>
+            <a:ext cx="1301246" cy="916412"/>
+          </a:xfrm>
+          <a:prstGeom prst="straightConnector1">
+            <a:avLst/>
+          </a:prstGeom>
+          <a:ln>
+            <a:solidFill>
+              <a:schemeClr val="tx1"/>
+            </a:solidFill>
+            <a:tailEnd type="arrow"/>
+          </a:ln>
+        </p:spPr>
+        <p:style>
+          <a:lnRef idx="2">
+            <a:schemeClr val="accent1"/>
+          </a:lnRef>
+          <a:fillRef idx="0">
+            <a:schemeClr val="accent1"/>
+          </a:fillRef>
+          <a:effectRef idx="1">
+            <a:schemeClr val="accent1"/>
+          </a:effectRef>
+          <a:fontRef idx="minor">
+            <a:schemeClr val="tx1"/>
+          </a:fontRef>
+        </p:style>
+      </p:cxnSp>
+      <p:cxnSp>
+        <p:nvCxnSpPr>
+          <p:cNvPr id="14" name="Straight Arrow Connector 13"/>
+          <p:cNvCxnSpPr>
+            <a:endCxn id="7" idx="0"/>
+          </p:cNvCxnSpPr>
+          <p:nvPr/>
+        </p:nvCxnSpPr>
+        <p:spPr>
+          <a:xfrm>
+            <a:off x="6114291" y="3556882"/>
+            <a:ext cx="1239392" cy="857740"/>
+          </a:xfrm>
+          <a:prstGeom prst="straightConnector1">
+            <a:avLst/>
+          </a:prstGeom>
+          <a:ln>
+            <a:solidFill>
+              <a:schemeClr val="tx1"/>
+            </a:solidFill>
+            <a:tailEnd type="arrow"/>
+          </a:ln>
+        </p:spPr>
+        <p:style>
+          <a:lnRef idx="2">
+            <a:schemeClr val="accent1"/>
+          </a:lnRef>
+          <a:fillRef idx="0">
+            <a:schemeClr val="accent1"/>
+          </a:fillRef>
+          <a:effectRef idx="1">
+            <a:schemeClr val="accent1"/>
+          </a:effectRef>
+          <a:fontRef idx="minor">
+            <a:schemeClr val="tx1"/>
+          </a:fontRef>
+        </p:style>
+      </p:cxnSp>
+      <p:cxnSp>
+        <p:nvCxnSpPr>
+          <p:cNvPr id="30" name="Straight Arrow Connector 29"/>
+          <p:cNvCxnSpPr/>
+          <p:nvPr/>
+        </p:nvCxnSpPr>
+        <p:spPr>
+          <a:xfrm flipH="1">
+            <a:off x="3248490" y="2465156"/>
+            <a:ext cx="369270" cy="1"/>
+          </a:xfrm>
+          <a:prstGeom prst="straightConnector1">
+            <a:avLst/>
+          </a:prstGeom>
+          <a:ln>
+            <a:solidFill>
+              <a:schemeClr val="tx1"/>
+            </a:solidFill>
+            <a:tailEnd type="arrow"/>
+          </a:ln>
+        </p:spPr>
+        <p:style>
+          <a:lnRef idx="2">
+            <a:schemeClr val="accent1"/>
+          </a:lnRef>
+          <a:fillRef idx="0">
+            <a:schemeClr val="accent1"/>
+          </a:fillRef>
+          <a:effectRef idx="1">
+            <a:schemeClr val="accent1"/>
+          </a:effectRef>
+          <a:fontRef idx="minor">
+            <a:schemeClr val="tx1"/>
+          </a:fontRef>
+        </p:style>
+      </p:cxnSp>
+      <p:cxnSp>
+        <p:nvCxnSpPr>
+          <p:cNvPr id="33" name="Straight Arrow Connector 32"/>
+          <p:cNvCxnSpPr>
+            <a:stCxn id="6" idx="2"/>
+            <a:endCxn id="35" idx="0"/>
+          </p:cNvCxnSpPr>
+          <p:nvPr/>
+        </p:nvCxnSpPr>
+        <p:spPr>
+          <a:xfrm>
+            <a:off x="1993948" y="3556882"/>
+            <a:ext cx="0" cy="463411"/>
+          </a:xfrm>
+          <a:prstGeom prst="straightConnector1">
+            <a:avLst/>
+          </a:prstGeom>
+          <a:ln>
+            <a:solidFill>
+              <a:schemeClr val="tx1"/>
+            </a:solidFill>
+            <a:tailEnd type="arrow"/>
+          </a:ln>
+        </p:spPr>
+        <p:style>
+          <a:lnRef idx="2">
+            <a:schemeClr val="accent1"/>
+          </a:lnRef>
+          <a:fillRef idx="0">
+            <a:schemeClr val="accent1"/>
+          </a:fillRef>
+          <a:effectRef idx="1">
+            <a:schemeClr val="accent1"/>
+          </a:effectRef>
+          <a:fontRef idx="minor">
+            <a:schemeClr val="tx1"/>
+          </a:fontRef>
+        </p:style>
+      </p:cxnSp>
+      <p:sp>
+        <p:nvSpPr>
+          <p:cNvPr id="35" name="TextBox 34"/>
+          <p:cNvSpPr txBox="1"/>
+          <p:nvPr/>
+        </p:nvSpPr>
+        <p:spPr>
+          <a:xfrm>
+            <a:off x="1308259" y="4020293"/>
+            <a:ext cx="1371377" cy="307777"/>
+          </a:xfrm>
+          <a:prstGeom prst="rect">
+            <a:avLst/>
+          </a:prstGeom>
+          <a:noFill/>
+        </p:spPr>
+        <p:txBody>
+          <a:bodyPr wrap="none" rtlCol="0">
+            <a:spAutoFit/>
+          </a:bodyPr>
+          <a:lstStyle/>
+          <a:p>
+            <a:r>
+              <a:rPr lang="en-US" sz="1400" dirty="0" smtClean="0"/>
+              <a:t>Observation Log</a:t>
+            </a:r>
+            <a:endParaRPr lang="en-US" sz="1400" dirty="0" smtClean="0"/>
+          </a:p>
+        </p:txBody>
+      </p:sp>
+      <p:sp>
+        <p:nvSpPr>
+          <p:cNvPr id="40" name="TextBox 39"/>
+          <p:cNvSpPr txBox="1"/>
+          <p:nvPr/>
+        </p:nvSpPr>
+        <p:spPr>
+          <a:xfrm>
+            <a:off x="3617760" y="2095825"/>
+            <a:ext cx="1767444" cy="738664"/>
+          </a:xfrm>
+          <a:prstGeom prst="rect">
+            <a:avLst/>
+          </a:prstGeom>
+          <a:noFill/>
+        </p:spPr>
+        <p:txBody>
+          <a:bodyPr wrap="none" rtlCol="0">
+            <a:spAutoFit/>
+          </a:bodyPr>
+          <a:lstStyle/>
+          <a:p>
+            <a:pPr algn="ctr"/>
+            <a:r>
+              <a:rPr lang="en-US" sz="1400" dirty="0" smtClean="0"/>
+              <a:t>Input </a:t>
+            </a:r>
+            <a:r>
+              <a:rPr lang="en-US" sz="1400" dirty="0" smtClean="0"/>
+              <a:t>observations,</a:t>
+            </a:r>
+            <a:endParaRPr lang="en-US" sz="1400" dirty="0" smtClean="0"/>
+          </a:p>
+          <a:p>
+            <a:pPr algn="ctr"/>
+            <a:r>
+              <a:rPr lang="en-US" sz="1400" dirty="0" smtClean="0"/>
+              <a:t>Interval observations,</a:t>
+            </a:r>
+          </a:p>
+          <a:p>
+            <a:pPr algn="ctr"/>
+            <a:r>
+              <a:rPr lang="en-US" sz="1400" dirty="0" smtClean="0"/>
+              <a:t>Output observations</a:t>
+            </a:r>
+          </a:p>
+        </p:txBody>
+      </p:sp>
+      <p:sp>
+        <p:nvSpPr>
+          <p:cNvPr id="51" name="TextBox 50"/>
+          <p:cNvSpPr txBox="1"/>
+          <p:nvPr/>
+        </p:nvSpPr>
+        <p:spPr>
+          <a:xfrm>
+            <a:off x="5589375" y="3982930"/>
+            <a:ext cx="1235059" cy="307777"/>
+          </a:xfrm>
+          <a:prstGeom prst="rect">
+            <a:avLst/>
+          </a:prstGeom>
+          <a:noFill/>
+        </p:spPr>
+        <p:txBody>
+          <a:bodyPr wrap="none" rtlCol="0">
+            <a:spAutoFit/>
+          </a:bodyPr>
+          <a:lstStyle/>
+          <a:p>
+            <a:r>
+              <a:rPr lang="en-US" sz="1400" dirty="0" smtClean="0"/>
+              <a:t>Output signals</a:t>
+            </a:r>
+            <a:endParaRPr lang="en-US" sz="1400" dirty="0"/>
+          </a:p>
+        </p:txBody>
+      </p:sp>
+      <p:sp>
+        <p:nvSpPr>
+          <p:cNvPr id="52" name="TextBox 51"/>
+          <p:cNvSpPr txBox="1"/>
+          <p:nvPr/>
+        </p:nvSpPr>
+        <p:spPr>
+          <a:xfrm>
+            <a:off x="5567007" y="1941936"/>
+            <a:ext cx="1208321" cy="307777"/>
+          </a:xfrm>
+          <a:prstGeom prst="rect">
+            <a:avLst/>
+          </a:prstGeom>
+          <a:noFill/>
+        </p:spPr>
+        <p:txBody>
+          <a:bodyPr wrap="none" rtlCol="0">
+            <a:spAutoFit/>
+          </a:bodyPr>
+          <a:lstStyle/>
+          <a:p>
+            <a:r>
+              <a:rPr lang="en-US" sz="1400" dirty="0" smtClean="0"/>
+              <a:t>Input samples</a:t>
+            </a:r>
+            <a:endParaRPr lang="en-US" sz="1400" dirty="0"/>
+          </a:p>
+        </p:txBody>
+      </p:sp>
+      <p:sp>
+        <p:nvSpPr>
+          <p:cNvPr id="3" name="TextBox 2"/>
+          <p:cNvSpPr txBox="1"/>
+          <p:nvPr/>
+        </p:nvSpPr>
+        <p:spPr>
+          <a:xfrm>
+            <a:off x="885372" y="2916260"/>
+            <a:ext cx="2041244" cy="369332"/>
+          </a:xfrm>
+          <a:prstGeom prst="rect">
+            <a:avLst/>
+          </a:prstGeom>
+          <a:noFill/>
+        </p:spPr>
+        <p:txBody>
+          <a:bodyPr wrap="none" rtlCol="0">
+            <a:spAutoFit/>
+          </a:bodyPr>
+          <a:lstStyle/>
+          <a:p>
+            <a:r>
+              <a:rPr lang="en-US" dirty="0" smtClean="0"/>
+              <a:t>MicroGrader Server</a:t>
+            </a:r>
+          </a:p>
+        </p:txBody>
+      </p:sp>
+      <p:cxnSp>
+        <p:nvCxnSpPr>
+          <p:cNvPr id="22" name="Straight Arrow Connector 21"/>
+          <p:cNvCxnSpPr>
+            <a:stCxn id="6" idx="3"/>
+            <a:endCxn id="48" idx="1"/>
+          </p:cNvCxnSpPr>
+          <p:nvPr/>
+        </p:nvCxnSpPr>
+        <p:spPr>
+          <a:xfrm flipV="1">
+            <a:off x="3226017" y="3103898"/>
+            <a:ext cx="2159187" cy="745"/>
+          </a:xfrm>
+          <a:prstGeom prst="straightConnector1">
+            <a:avLst/>
+          </a:prstGeom>
+          <a:ln>
+            <a:solidFill>
+              <a:schemeClr val="tx1"/>
+            </a:solidFill>
+            <a:headEnd type="none"/>
+            <a:tailEnd type="none"/>
+          </a:ln>
+        </p:spPr>
+        <p:style>
+          <a:lnRef idx="2">
+            <a:schemeClr val="accent1"/>
+          </a:lnRef>
+          <a:fillRef idx="0">
+            <a:schemeClr val="accent1"/>
+          </a:fillRef>
+          <a:effectRef idx="1">
+            <a:schemeClr val="accent1"/>
+          </a:effectRef>
+          <a:fontRef idx="minor">
+            <a:schemeClr val="tx1"/>
+          </a:fontRef>
+        </p:style>
+      </p:cxnSp>
+      <p:sp>
+        <p:nvSpPr>
+          <p:cNvPr id="39" name="TextBox 38"/>
+          <p:cNvSpPr txBox="1"/>
+          <p:nvPr/>
+        </p:nvSpPr>
+        <p:spPr>
+          <a:xfrm>
+            <a:off x="3617760" y="3135768"/>
+            <a:ext cx="1334119" cy="307777"/>
+          </a:xfrm>
+          <a:prstGeom prst="rect">
+            <a:avLst/>
+          </a:prstGeom>
+          <a:noFill/>
+        </p:spPr>
+        <p:txBody>
+          <a:bodyPr wrap="none" rtlCol="0">
+            <a:spAutoFit/>
+          </a:bodyPr>
+          <a:lstStyle/>
+          <a:p>
+            <a:r>
+              <a:rPr lang="en-US" sz="1400" dirty="0" smtClean="0">
+                <a:solidFill>
+                  <a:srgbClr val="FF0000"/>
+                </a:solidFill>
+              </a:rPr>
+              <a:t>USB connection</a:t>
+            </a:r>
+            <a:endParaRPr lang="en-US" sz="1400" dirty="0">
+              <a:solidFill>
+                <a:srgbClr val="FF0000"/>
+              </a:solidFill>
+            </a:endParaRPr>
+          </a:p>
+        </p:txBody>
+      </p:sp>
+      <p:sp>
+        <p:nvSpPr>
+          <p:cNvPr id="48" name="Rectangle 47"/>
+          <p:cNvSpPr/>
+          <p:nvPr/>
+        </p:nvSpPr>
+        <p:spPr>
+          <a:xfrm>
+            <a:off x="5385204" y="2650913"/>
+            <a:ext cx="2908282" cy="905969"/>
+          </a:xfrm>
+          <a:prstGeom prst="rect">
+            <a:avLst/>
+          </a:prstGeom>
+          <a:solidFill>
+            <a:schemeClr val="bg1"/>
+          </a:solidFill>
+          <a:ln>
+            <a:solidFill>
+              <a:schemeClr val="tx1"/>
+            </a:solidFill>
+          </a:ln>
+        </p:spPr>
+        <p:style>
+          <a:lnRef idx="1">
+            <a:schemeClr val="accent1"/>
+          </a:lnRef>
+          <a:fillRef idx="3">
+            <a:schemeClr val="accent1"/>
+          </a:fillRef>
+          <a:effectRef idx="2">
+            <a:schemeClr val="accent1"/>
+          </a:effectRef>
+          <a:fontRef idx="minor">
+            <a:schemeClr val="lt1"/>
+          </a:fontRef>
+        </p:style>
+        <p:txBody>
+          <a:bodyPr rtlCol="0" anchor="ctr" anchorCtr="1"/>
+          <a:lstStyle/>
+          <a:p>
+            <a:pPr algn="ctr"/>
+            <a:endParaRPr lang="en-US" dirty="0" smtClean="0"/>
+          </a:p>
+          <a:p>
+            <a:pPr algn="ctr"/>
+            <a:endParaRPr lang="en-US" dirty="0" smtClean="0"/>
+          </a:p>
+        </p:txBody>
+      </p:sp>
+      <p:sp>
+        <p:nvSpPr>
+          <p:cNvPr id="58" name="TextBox 57"/>
+          <p:cNvSpPr txBox="1"/>
+          <p:nvPr/>
+        </p:nvSpPr>
+        <p:spPr>
+          <a:xfrm>
+            <a:off x="5385204" y="2785194"/>
+            <a:ext cx="1390124" cy="646331"/>
+          </a:xfrm>
+          <a:prstGeom prst="rect">
+            <a:avLst/>
+          </a:prstGeom>
+          <a:noFill/>
+        </p:spPr>
+        <p:txBody>
+          <a:bodyPr wrap="none" rtlCol="0">
+            <a:spAutoFit/>
+          </a:bodyPr>
+          <a:lstStyle/>
+          <a:p>
+            <a:pPr algn="ctr"/>
+            <a:r>
+              <a:rPr lang="en-US" dirty="0" smtClean="0"/>
+              <a:t>MicroGrader</a:t>
+            </a:r>
+          </a:p>
+          <a:p>
+            <a:pPr algn="ctr"/>
+            <a:r>
+              <a:rPr lang="en-US" dirty="0" smtClean="0"/>
+              <a:t>Client</a:t>
+            </a:r>
+          </a:p>
+        </p:txBody>
+      </p:sp>
+      <p:sp>
+        <p:nvSpPr>
+          <p:cNvPr id="60" name="TextBox 59"/>
+          <p:cNvSpPr txBox="1"/>
+          <p:nvPr/>
+        </p:nvSpPr>
+        <p:spPr>
+          <a:xfrm>
+            <a:off x="7134196" y="2812602"/>
+            <a:ext cx="928459" cy="646331"/>
+          </a:xfrm>
+          <a:prstGeom prst="rect">
+            <a:avLst/>
+          </a:prstGeom>
+          <a:noFill/>
+        </p:spPr>
+        <p:txBody>
+          <a:bodyPr wrap="none" rtlCol="0">
+            <a:spAutoFit/>
+          </a:bodyPr>
+          <a:lstStyle/>
+          <a:p>
+            <a:pPr algn="ctr"/>
+            <a:r>
+              <a:rPr lang="en-US" dirty="0" smtClean="0"/>
+              <a:t>Student</a:t>
+            </a:r>
+          </a:p>
+          <a:p>
+            <a:pPr algn="ctr"/>
+            <a:r>
+              <a:rPr lang="en-US" dirty="0" smtClean="0"/>
+              <a:t>Code</a:t>
+            </a:r>
+          </a:p>
+        </p:txBody>
+      </p:sp>
+      <p:sp>
+        <p:nvSpPr>
+          <p:cNvPr id="63" name="TextBox 62"/>
+          <p:cNvSpPr txBox="1"/>
+          <p:nvPr/>
+        </p:nvSpPr>
+        <p:spPr>
+          <a:xfrm>
+            <a:off x="6964276" y="2344626"/>
+            <a:ext cx="1329210" cy="307777"/>
+          </a:xfrm>
+          <a:prstGeom prst="rect">
+            <a:avLst/>
+          </a:prstGeom>
+          <a:noFill/>
+        </p:spPr>
+        <p:txBody>
+          <a:bodyPr wrap="none" rtlCol="0">
+            <a:spAutoFit/>
+          </a:bodyPr>
+          <a:lstStyle/>
+          <a:p>
+            <a:r>
+              <a:rPr lang="en-US" sz="1400" dirty="0" smtClean="0">
+                <a:solidFill>
+                  <a:srgbClr val="FF0000"/>
+                </a:solidFill>
+              </a:rPr>
+              <a:t>Microcontroller</a:t>
+            </a:r>
+            <a:endParaRPr lang="en-US" sz="1400" dirty="0">
+              <a:solidFill>
+                <a:srgbClr val="FF0000"/>
+              </a:solidFill>
+            </a:endParaRPr>
+          </a:p>
+        </p:txBody>
+      </p:sp>
+      <p:sp>
+        <p:nvSpPr>
+          <p:cNvPr id="76" name="TextBox 75"/>
+          <p:cNvSpPr txBox="1"/>
+          <p:nvPr/>
+        </p:nvSpPr>
+        <p:spPr>
+          <a:xfrm>
+            <a:off x="761878" y="2343137"/>
+            <a:ext cx="689612" cy="307777"/>
+          </a:xfrm>
+          <a:prstGeom prst="rect">
+            <a:avLst/>
+          </a:prstGeom>
+          <a:noFill/>
+        </p:spPr>
+        <p:txBody>
+          <a:bodyPr wrap="none" rtlCol="0">
+            <a:spAutoFit/>
+          </a:bodyPr>
+          <a:lstStyle/>
+          <a:p>
+            <a:r>
+              <a:rPr lang="en-US" sz="1400" dirty="0" smtClean="0">
+                <a:solidFill>
+                  <a:srgbClr val="FF0000"/>
+                </a:solidFill>
+              </a:rPr>
+              <a:t>Laptop</a:t>
+            </a:r>
+            <a:endParaRPr lang="en-US" sz="1400" dirty="0">
+              <a:solidFill>
+                <a:srgbClr val="FF0000"/>
+              </a:solidFill>
+            </a:endParaRPr>
+          </a:p>
+        </p:txBody>
+      </p:sp>
+      <p:cxnSp>
+        <p:nvCxnSpPr>
+          <p:cNvPr id="87" name="Straight Connector 86"/>
+          <p:cNvCxnSpPr>
+            <a:stCxn id="48" idx="0"/>
+            <a:endCxn id="48" idx="2"/>
+          </p:cNvCxnSpPr>
+          <p:nvPr/>
+        </p:nvCxnSpPr>
+        <p:spPr>
+          <a:xfrm>
+            <a:off x="6839345" y="2650913"/>
+            <a:ext cx="0" cy="905969"/>
+          </a:xfrm>
+          <a:prstGeom prst="line">
+            <a:avLst/>
+          </a:prstGeom>
+          <a:ln>
+            <a:solidFill>
+              <a:schemeClr val="tx1"/>
+            </a:solidFill>
+            <a:prstDash val="sysDash"/>
+          </a:ln>
+        </p:spPr>
+        <p:style>
+          <a:lnRef idx="2">
+            <a:schemeClr val="accent1"/>
+          </a:lnRef>
+          <a:fillRef idx="0">
+            <a:schemeClr val="accent1"/>
+          </a:fillRef>
+          <a:effectRef idx="1">
+            <a:schemeClr val="accent1"/>
+          </a:effectRef>
+          <a:fontRef idx="minor">
+            <a:schemeClr val="tx1"/>
+          </a:fontRef>
+        </p:style>
+      </p:cxnSp>
+    </p:spTree>
+    <p:extLst>
+      <p:ext uri="{BB962C8B-B14F-4D97-AF65-F5344CB8AC3E}">
+        <p14:creationId xmlns:p14="http://schemas.microsoft.com/office/powerpoint/2010/main" val="789843132"/>
       </p:ext>
     </p:extLst>
   </p:cSld>

--- a/diagrams-2.pptx
+++ b/diagrams-2.pptx
@@ -9,6 +9,7 @@
     <p:sldId id="260" r:id="rId3"/>
     <p:sldId id="261" r:id="rId4"/>
     <p:sldId id="262" r:id="rId5"/>
+    <p:sldId id="263" r:id="rId6"/>
   </p:sldIdLst>
   <p:sldSz cx="9144000" cy="6858000" type="screen4x3"/>
   <p:notesSz cx="6858000" cy="9144000"/>
@@ -6309,7 +6310,6 @@
               <a:rPr lang="en-US" sz="1400" dirty="0" smtClean="0"/>
               <a:t>Observation Log</a:t>
             </a:r>
-            <a:endParaRPr lang="en-US" sz="1400" dirty="0" smtClean="0"/>
           </a:p>
         </p:txBody>
       </p:sp>
@@ -6338,13 +6338,8 @@
             <a:pPr algn="ctr"/>
             <a:r>
               <a:rPr lang="en-US" sz="1400" dirty="0" smtClean="0"/>
-              <a:t>Input </a:t>
-            </a:r>
-            <a:r>
-              <a:rPr lang="en-US" sz="1400" dirty="0" smtClean="0"/>
-              <a:t>observations,</a:t>
-            </a:r>
-            <a:endParaRPr lang="en-US" sz="1400" dirty="0" smtClean="0"/>
+              <a:t>Input observations,</a:t>
+            </a:r>
           </a:p>
           <a:p>
             <a:pPr algn="ctr"/>
@@ -6785,6 +6780,276 @@
       </p:par>
     </p:tnLst>
   </p:timing>
+</p:sld>
+</file>
+
+<file path=ppt/slides/slide5.xml><?xml version="1.0" encoding="utf-8"?>
+<p:sld xmlns:a="http://schemas.openxmlformats.org/drawingml/2006/main" xmlns:r="http://schemas.openxmlformats.org/officeDocument/2006/relationships" xmlns:p="http://schemas.openxmlformats.org/presentationml/2006/main">
+  <p:cSld>
+    <p:spTree>
+      <p:nvGrpSpPr>
+        <p:cNvPr id="1" name=""/>
+        <p:cNvGrpSpPr/>
+        <p:nvPr/>
+      </p:nvGrpSpPr>
+      <p:grpSpPr>
+        <a:xfrm>
+          <a:off x="0" y="0"/>
+          <a:ext cx="0" cy="0"/>
+          <a:chOff x="0" y="0"/>
+          <a:chExt cx="0" cy="0"/>
+        </a:xfrm>
+      </p:grpSpPr>
+      <p:pic>
+        <p:nvPicPr>
+          <p:cNvPr id="4" name="Picture 3" descr="preslice.png"/>
+          <p:cNvPicPr>
+            <a:picLocks noChangeAspect="1"/>
+          </p:cNvPicPr>
+          <p:nvPr/>
+        </p:nvPicPr>
+        <p:blipFill>
+          <a:blip r:embed="rId2">
+            <a:extLst>
+              <a:ext uri="{28A0092B-C50C-407E-A947-70E740481C1C}">
+                <a14:useLocalDpi xmlns:a14="http://schemas.microsoft.com/office/drawing/2010/main" val="0"/>
+              </a:ext>
+            </a:extLst>
+          </a:blip>
+          <a:stretch>
+            <a:fillRect/>
+          </a:stretch>
+        </p:blipFill>
+        <p:spPr>
+          <a:xfrm>
+            <a:off x="3078466" y="266524"/>
+            <a:ext cx="3333700" cy="2500275"/>
+          </a:xfrm>
+          <a:prstGeom prst="rect">
+            <a:avLst/>
+          </a:prstGeom>
+        </p:spPr>
+      </p:pic>
+      <p:pic>
+        <p:nvPicPr>
+          <p:cNvPr id="5" name="Picture 4" descr="postslice.png"/>
+          <p:cNvPicPr>
+            <a:picLocks noChangeAspect="1"/>
+          </p:cNvPicPr>
+          <p:nvPr/>
+        </p:nvPicPr>
+        <p:blipFill>
+          <a:blip r:embed="rId3">
+            <a:extLst>
+              <a:ext uri="{28A0092B-C50C-407E-A947-70E740481C1C}">
+                <a14:useLocalDpi xmlns:a14="http://schemas.microsoft.com/office/drawing/2010/main" val="0"/>
+              </a:ext>
+            </a:extLst>
+          </a:blip>
+          <a:stretch>
+            <a:fillRect/>
+          </a:stretch>
+        </p:blipFill>
+        <p:spPr>
+          <a:xfrm>
+            <a:off x="3078466" y="2766799"/>
+            <a:ext cx="3333700" cy="2500275"/>
+          </a:xfrm>
+          <a:prstGeom prst="rect">
+            <a:avLst/>
+          </a:prstGeom>
+        </p:spPr>
+      </p:pic>
+      <p:sp>
+        <p:nvSpPr>
+          <p:cNvPr id="6" name="TextBox 5"/>
+          <p:cNvSpPr txBox="1"/>
+          <p:nvPr/>
+        </p:nvSpPr>
+        <p:spPr>
+          <a:xfrm>
+            <a:off x="6184900" y="1384300"/>
+            <a:ext cx="1212617" cy="307777"/>
+          </a:xfrm>
+          <a:prstGeom prst="rect">
+            <a:avLst/>
+          </a:prstGeom>
+          <a:noFill/>
+        </p:spPr>
+        <p:txBody>
+          <a:bodyPr wrap="none" rtlCol="0">
+            <a:spAutoFit/>
+          </a:bodyPr>
+          <a:lstStyle/>
+          <a:p>
+            <a:r>
+              <a:rPr lang="en-US" sz="1400" dirty="0" smtClean="0"/>
+              <a:t>Original signal</a:t>
+            </a:r>
+          </a:p>
+        </p:txBody>
+      </p:sp>
+      <p:sp>
+        <p:nvSpPr>
+          <p:cNvPr id="7" name="TextBox 6"/>
+          <p:cNvSpPr txBox="1"/>
+          <p:nvPr/>
+        </p:nvSpPr>
+        <p:spPr>
+          <a:xfrm>
+            <a:off x="6184900" y="3465611"/>
+            <a:ext cx="2071901" cy="1097736"/>
+          </a:xfrm>
+          <a:prstGeom prst="rect">
+            <a:avLst/>
+          </a:prstGeom>
+          <a:noFill/>
+        </p:spPr>
+        <p:txBody>
+          <a:bodyPr wrap="none" rtlCol="0">
+            <a:spAutoFit/>
+          </a:bodyPr>
+          <a:lstStyle/>
+          <a:p>
+            <a:r>
+              <a:rPr lang="en-US" sz="1400" dirty="0" smtClean="0"/>
+              <a:t>Value generating function</a:t>
+            </a:r>
+          </a:p>
+          <a:p>
+            <a:r>
+              <a:rPr lang="en-US" sz="1400" dirty="0" smtClean="0"/>
+              <a:t> for input frame with</a:t>
+            </a:r>
+          </a:p>
+          <a:p>
+            <a:r>
+              <a:rPr lang="en-US" sz="1400" dirty="0" smtClean="0"/>
+              <a:t> t</a:t>
+            </a:r>
+            <a:r>
+              <a:rPr lang="en-US" sz="1400" baseline="-25000" dirty="0" smtClean="0"/>
+              <a:t>start</a:t>
+            </a:r>
+            <a:r>
+              <a:rPr lang="en-US" sz="1400" dirty="0"/>
+              <a:t> </a:t>
+            </a:r>
+            <a:r>
+              <a:rPr lang="en-US" sz="1400" dirty="0" smtClean="0"/>
+              <a:t>= 1000ms and </a:t>
+            </a:r>
+          </a:p>
+          <a:p>
+            <a:r>
+              <a:rPr lang="en-US" sz="1400" dirty="0"/>
+              <a:t> </a:t>
+            </a:r>
+            <a:r>
+              <a:rPr lang="en-US" sz="1400" dirty="0" smtClean="0"/>
+              <a:t>t</a:t>
+            </a:r>
+            <a:r>
+              <a:rPr lang="en-US" sz="1400" baseline="-25000" dirty="0" smtClean="0"/>
+              <a:t>end</a:t>
+            </a:r>
+            <a:r>
+              <a:rPr lang="en-US" sz="1400" dirty="0" smtClean="0"/>
+              <a:t>  = 4000ms </a:t>
+            </a:r>
+            <a:r>
+              <a:rPr lang="en-US" sz="1400" dirty="0"/>
+              <a:t>and </a:t>
+            </a:r>
+            <a:endParaRPr lang="en-US" sz="1400" baseline="-25000" dirty="0"/>
+          </a:p>
+          <a:p>
+            <a:endParaRPr lang="en-US" sz="1400" baseline="-25000" dirty="0" smtClean="0"/>
+          </a:p>
+        </p:txBody>
+      </p:sp>
+      <p:cxnSp>
+        <p:nvCxnSpPr>
+          <p:cNvPr id="10" name="Straight Arrow Connector 9"/>
+          <p:cNvCxnSpPr/>
+          <p:nvPr/>
+        </p:nvCxnSpPr>
+        <p:spPr>
+          <a:xfrm flipH="1">
+            <a:off x="3594100" y="1257300"/>
+            <a:ext cx="444500" cy="2438400"/>
+          </a:xfrm>
+          <a:prstGeom prst="straightConnector1">
+            <a:avLst/>
+          </a:prstGeom>
+          <a:ln>
+            <a:solidFill>
+              <a:schemeClr val="tx1"/>
+            </a:solidFill>
+            <a:tailEnd type="arrow"/>
+          </a:ln>
+        </p:spPr>
+        <p:style>
+          <a:lnRef idx="2">
+            <a:schemeClr val="accent1"/>
+          </a:lnRef>
+          <a:fillRef idx="0">
+            <a:schemeClr val="accent1"/>
+          </a:fillRef>
+          <a:effectRef idx="1">
+            <a:schemeClr val="accent1"/>
+          </a:effectRef>
+          <a:fontRef idx="minor">
+            <a:schemeClr val="tx1"/>
+          </a:fontRef>
+        </p:style>
+      </p:cxnSp>
+      <p:cxnSp>
+        <p:nvCxnSpPr>
+          <p:cNvPr id="14" name="Straight Arrow Connector 13"/>
+          <p:cNvCxnSpPr/>
+          <p:nvPr/>
+        </p:nvCxnSpPr>
+        <p:spPr>
+          <a:xfrm flipH="1">
+            <a:off x="5067300" y="1854200"/>
+            <a:ext cx="444500" cy="2438400"/>
+          </a:xfrm>
+          <a:prstGeom prst="straightConnector1">
+            <a:avLst/>
+          </a:prstGeom>
+          <a:ln>
+            <a:solidFill>
+              <a:schemeClr val="tx1"/>
+            </a:solidFill>
+            <a:tailEnd type="arrow"/>
+          </a:ln>
+        </p:spPr>
+        <p:style>
+          <a:lnRef idx="2">
+            <a:schemeClr val="accent1"/>
+          </a:lnRef>
+          <a:fillRef idx="0">
+            <a:schemeClr val="accent1"/>
+          </a:fillRef>
+          <a:effectRef idx="1">
+            <a:schemeClr val="accent1"/>
+          </a:effectRef>
+          <a:fontRef idx="minor">
+            <a:schemeClr val="tx1"/>
+          </a:fontRef>
+        </p:style>
+      </p:cxnSp>
+    </p:spTree>
+    <p:extLst>
+      <p:ext uri="{BB962C8B-B14F-4D97-AF65-F5344CB8AC3E}">
+        <p14:creationId xmlns:p14="http://schemas.microsoft.com/office/powerpoint/2010/main" val="209321493"/>
+      </p:ext>
+    </p:extLst>
+  </p:cSld>
+  <p:clrMapOvr>
+    <a:masterClrMapping/>
+  </p:clrMapOvr>
 </p:sld>
 </file>
 

--- a/diagrams-2.pptx
+++ b/diagrams-2.pptx
@@ -10,6 +10,7 @@
     <p:sldId id="261" r:id="rId4"/>
     <p:sldId id="262" r:id="rId5"/>
     <p:sldId id="263" r:id="rId6"/>
+    <p:sldId id="264" r:id="rId7"/>
   </p:sldIdLst>
   <p:sldSz cx="9144000" cy="6858000" type="screen4x3"/>
   <p:notesSz cx="6858000" cy="9144000"/>
@@ -6869,7 +6870,7 @@
         <p:spPr>
           <a:xfrm>
             <a:off x="6184900" y="1384300"/>
-            <a:ext cx="1212617" cy="307777"/>
+            <a:ext cx="1637525" cy="307777"/>
           </a:xfrm>
           <a:prstGeom prst="rect">
             <a:avLst/>
@@ -6884,7 +6885,7 @@
           <a:p>
             <a:r>
               <a:rPr lang="en-US" sz="1400" dirty="0" smtClean="0"/>
-              <a:t>Original signal</a:t>
+              <a:t>Original input signal</a:t>
             </a:r>
           </a:p>
         </p:txBody>
@@ -7044,6 +7045,265 @@
     <p:extLst>
       <p:ext uri="{BB962C8B-B14F-4D97-AF65-F5344CB8AC3E}">
         <p14:creationId xmlns:p14="http://schemas.microsoft.com/office/powerpoint/2010/main" val="209321493"/>
+      </p:ext>
+    </p:extLst>
+  </p:cSld>
+  <p:clrMapOvr>
+    <a:masterClrMapping/>
+  </p:clrMapOvr>
+</p:sld>
+</file>
+
+<file path=ppt/slides/slide6.xml><?xml version="1.0" encoding="utf-8"?>
+<p:sld xmlns:a="http://schemas.openxmlformats.org/drawingml/2006/main" xmlns:r="http://schemas.openxmlformats.org/officeDocument/2006/relationships" xmlns:p="http://schemas.openxmlformats.org/presentationml/2006/main">
+  <p:cSld>
+    <p:spTree>
+      <p:nvGrpSpPr>
+        <p:cNvPr id="1" name=""/>
+        <p:cNvGrpSpPr/>
+        <p:nvPr/>
+      </p:nvGrpSpPr>
+      <p:grpSpPr>
+        <a:xfrm>
+          <a:off x="0" y="0"/>
+          <a:ext cx="0" cy="0"/>
+          <a:chOff x="0" y="0"/>
+          <a:chExt cx="0" cy="0"/>
+        </a:xfrm>
+      </p:grpSpPr>
+      <p:pic>
+        <p:nvPicPr>
+          <p:cNvPr id="3" name="Picture 2" descr="postslice-output.png"/>
+          <p:cNvPicPr>
+            <a:picLocks noChangeAspect="1"/>
+          </p:cNvPicPr>
+          <p:nvPr/>
+        </p:nvPicPr>
+        <p:blipFill>
+          <a:blip r:embed="rId2">
+            <a:extLst>
+              <a:ext uri="{28A0092B-C50C-407E-A947-70E740481C1C}">
+                <a14:useLocalDpi xmlns:a14="http://schemas.microsoft.com/office/drawing/2010/main" val="0"/>
+              </a:ext>
+            </a:extLst>
+          </a:blip>
+          <a:stretch>
+            <a:fillRect/>
+          </a:stretch>
+        </p:blipFill>
+        <p:spPr>
+          <a:xfrm>
+            <a:off x="3127932" y="2766799"/>
+            <a:ext cx="3284233" cy="2463175"/>
+          </a:xfrm>
+          <a:prstGeom prst="rect">
+            <a:avLst/>
+          </a:prstGeom>
+        </p:spPr>
+      </p:pic>
+      <p:pic>
+        <p:nvPicPr>
+          <p:cNvPr id="4" name="Picture 3" descr="preslice.png"/>
+          <p:cNvPicPr>
+            <a:picLocks noChangeAspect="1"/>
+          </p:cNvPicPr>
+          <p:nvPr/>
+        </p:nvPicPr>
+        <p:blipFill>
+          <a:blip r:embed="rId3">
+            <a:extLst>
+              <a:ext uri="{28A0092B-C50C-407E-A947-70E740481C1C}">
+                <a14:useLocalDpi xmlns:a14="http://schemas.microsoft.com/office/drawing/2010/main" val="0"/>
+              </a:ext>
+            </a:extLst>
+          </a:blip>
+          <a:stretch>
+            <a:fillRect/>
+          </a:stretch>
+        </p:blipFill>
+        <p:spPr>
+          <a:xfrm>
+            <a:off x="3078466" y="266524"/>
+            <a:ext cx="3333700" cy="2500275"/>
+          </a:xfrm>
+          <a:prstGeom prst="rect">
+            <a:avLst/>
+          </a:prstGeom>
+        </p:spPr>
+      </p:pic>
+      <p:sp>
+        <p:nvSpPr>
+          <p:cNvPr id="6" name="TextBox 5"/>
+          <p:cNvSpPr txBox="1"/>
+          <p:nvPr/>
+        </p:nvSpPr>
+        <p:spPr>
+          <a:xfrm>
+            <a:off x="6184900" y="1384300"/>
+            <a:ext cx="1751138" cy="307777"/>
+          </a:xfrm>
+          <a:prstGeom prst="rect">
+            <a:avLst/>
+          </a:prstGeom>
+          <a:noFill/>
+        </p:spPr>
+        <p:txBody>
+          <a:bodyPr wrap="none" rtlCol="0">
+            <a:spAutoFit/>
+          </a:bodyPr>
+          <a:lstStyle/>
+          <a:p>
+            <a:r>
+              <a:rPr lang="en-US" sz="1400" dirty="0" smtClean="0"/>
+              <a:t>Original output signal</a:t>
+            </a:r>
+          </a:p>
+        </p:txBody>
+      </p:sp>
+      <p:sp>
+        <p:nvSpPr>
+          <p:cNvPr id="7" name="TextBox 6"/>
+          <p:cNvSpPr txBox="1"/>
+          <p:nvPr/>
+        </p:nvSpPr>
+        <p:spPr>
+          <a:xfrm>
+            <a:off x="6184900" y="3605311"/>
+            <a:ext cx="1534314" cy="954107"/>
+          </a:xfrm>
+          <a:prstGeom prst="rect">
+            <a:avLst/>
+          </a:prstGeom>
+          <a:noFill/>
+        </p:spPr>
+        <p:txBody>
+          <a:bodyPr wrap="none" rtlCol="0">
+            <a:spAutoFit/>
+          </a:bodyPr>
+          <a:lstStyle/>
+          <a:p>
+            <a:r>
+              <a:rPr lang="en-US" sz="1400" dirty="0" smtClean="0"/>
+              <a:t>Reference signal,</a:t>
+            </a:r>
+          </a:p>
+          <a:p>
+            <a:r>
+              <a:rPr lang="en-US" sz="1400" dirty="0"/>
+              <a:t>i</a:t>
+            </a:r>
+            <a:r>
+              <a:rPr lang="en-US" sz="1400" dirty="0" smtClean="0"/>
+              <a:t>f frame has</a:t>
+            </a:r>
+          </a:p>
+          <a:p>
+            <a:r>
+              <a:rPr lang="en-US" sz="1400" dirty="0" smtClean="0"/>
+              <a:t>t</a:t>
+            </a:r>
+            <a:r>
+              <a:rPr lang="en-US" sz="1400" baseline="-25000" dirty="0" smtClean="0"/>
+              <a:t>start</a:t>
+            </a:r>
+            <a:r>
+              <a:rPr lang="en-US" sz="1400" dirty="0" smtClean="0"/>
+              <a:t> = 1000ms and</a:t>
+            </a:r>
+          </a:p>
+          <a:p>
+            <a:r>
+              <a:rPr lang="en-US" sz="1400" dirty="0" smtClean="0"/>
+              <a:t>t</a:t>
+            </a:r>
+            <a:r>
+              <a:rPr lang="en-US" sz="1400" baseline="-25000" dirty="0" smtClean="0"/>
+              <a:t>end</a:t>
+            </a:r>
+            <a:r>
+              <a:rPr lang="en-US" sz="1400" dirty="0" smtClean="0"/>
+              <a:t>  = 4000ms</a:t>
+            </a:r>
+            <a:endParaRPr lang="en-US" sz="1400" baseline="-25000" dirty="0" smtClean="0"/>
+          </a:p>
+        </p:txBody>
+      </p:sp>
+      <p:cxnSp>
+        <p:nvCxnSpPr>
+          <p:cNvPr id="10" name="Straight Arrow Connector 9"/>
+          <p:cNvCxnSpPr/>
+          <p:nvPr/>
+        </p:nvCxnSpPr>
+        <p:spPr>
+          <a:xfrm flipH="1">
+            <a:off x="3594100" y="1257300"/>
+            <a:ext cx="444500" cy="2438400"/>
+          </a:xfrm>
+          <a:prstGeom prst="straightConnector1">
+            <a:avLst/>
+          </a:prstGeom>
+          <a:ln>
+            <a:solidFill>
+              <a:schemeClr val="tx1"/>
+            </a:solidFill>
+            <a:tailEnd type="arrow"/>
+          </a:ln>
+        </p:spPr>
+        <p:style>
+          <a:lnRef idx="2">
+            <a:schemeClr val="accent1"/>
+          </a:lnRef>
+          <a:fillRef idx="0">
+            <a:schemeClr val="accent1"/>
+          </a:fillRef>
+          <a:effectRef idx="1">
+            <a:schemeClr val="accent1"/>
+          </a:effectRef>
+          <a:fontRef idx="minor">
+            <a:schemeClr val="tx1"/>
+          </a:fontRef>
+        </p:style>
+      </p:cxnSp>
+      <p:cxnSp>
+        <p:nvCxnSpPr>
+          <p:cNvPr id="14" name="Straight Arrow Connector 13"/>
+          <p:cNvCxnSpPr/>
+          <p:nvPr/>
+        </p:nvCxnSpPr>
+        <p:spPr>
+          <a:xfrm flipH="1">
+            <a:off x="5067300" y="1854200"/>
+            <a:ext cx="444500" cy="2438400"/>
+          </a:xfrm>
+          <a:prstGeom prst="straightConnector1">
+            <a:avLst/>
+          </a:prstGeom>
+          <a:ln>
+            <a:solidFill>
+              <a:schemeClr val="tx1"/>
+            </a:solidFill>
+            <a:tailEnd type="arrow"/>
+          </a:ln>
+        </p:spPr>
+        <p:style>
+          <a:lnRef idx="2">
+            <a:schemeClr val="accent1"/>
+          </a:lnRef>
+          <a:fillRef idx="0">
+            <a:schemeClr val="accent1"/>
+          </a:fillRef>
+          <a:effectRef idx="1">
+            <a:schemeClr val="accent1"/>
+          </a:effectRef>
+          <a:fontRef idx="minor">
+            <a:schemeClr val="tx1"/>
+          </a:fontRef>
+        </p:style>
+      </p:cxnSp>
+    </p:spTree>
+    <p:extLst>
+      <p:ext uri="{BB962C8B-B14F-4D97-AF65-F5344CB8AC3E}">
+        <p14:creationId xmlns:p14="http://schemas.microsoft.com/office/powerpoint/2010/main" val="2534191400"/>
       </p:ext>
     </p:extLst>
   </p:cSld>
